--- a/Documents/PROGRAMMING FUNDAMENTALS.pptx
+++ b/Documents/PROGRAMMING FUNDAMENTALS.pptx
@@ -109,6 +109,11 @@
       </a:defRPr>
     </a:lvl9pPr>
   </p:defaultTextStyle>
+  <p:extLst>
+    <p:ext uri="{EFAFB233-063F-42B5-8137-9DF3F51BA10A}">
+      <p15:sldGuideLst xmlns:p15="http://schemas.microsoft.com/office/powerpoint/2012/main"/>
+    </p:ext>
+  </p:extLst>
 </p:presentation>
 </file>
 
@@ -255,7 +260,7 @@
           <a:p>
             <a:fld id="{2395C5C9-164C-46B3-A87E-7660D39D3106}" type="datetime2">
               <a:rPr lang="en-US" smtClean="0"/>
-              <a:t>Wednesday, November 11, 2020</a:t>
+              <a:t>Thursday, November 12, 2020</a:t>
             </a:fld>
             <a:endParaRPr lang="en-US" dirty="0"/>
           </a:p>
@@ -458,7 +463,7 @@
           <a:p>
             <a:fld id="{5B75179A-1E2B-41AB-B400-4F1B4022FAEE}" type="datetime2">
               <a:rPr lang="en-US" smtClean="0"/>
-              <a:t>Wednesday, November 11, 2020</a:t>
+              <a:t>Thursday, November 12, 2020</a:t>
             </a:fld>
             <a:endParaRPr lang="en-US"/>
           </a:p>
@@ -671,7 +676,7 @@
           <a:p>
             <a:fld id="{05681D0F-6595-4F14-8EF3-954CD87C797B}" type="datetime2">
               <a:rPr lang="en-US" smtClean="0"/>
-              <a:t>Wednesday, November 11, 2020</a:t>
+              <a:t>Thursday, November 12, 2020</a:t>
             </a:fld>
             <a:endParaRPr lang="en-US"/>
           </a:p>
@@ -873,7 +878,7 @@
           <a:p>
             <a:fld id="{4DDCFF8A-AAF8-4A12-8A91-9CA0EAF6CBB9}" type="datetime2">
               <a:rPr lang="en-US" smtClean="0"/>
-              <a:t>Wednesday, November 11, 2020</a:t>
+              <a:t>Thursday, November 12, 2020</a:t>
             </a:fld>
             <a:endParaRPr lang="en-US" dirty="0"/>
           </a:p>
@@ -1152,7 +1157,7 @@
           <a:p>
             <a:fld id="{ABCC25C3-021A-4B0B-8F70-0C181FE1CF45}" type="datetime2">
               <a:rPr lang="en-US" smtClean="0"/>
-              <a:t>Wednesday, November 11, 2020</a:t>
+              <a:t>Thursday, November 12, 2020</a:t>
             </a:fld>
             <a:endParaRPr lang="en-US"/>
           </a:p>
@@ -1412,7 +1417,7 @@
           <a:p>
             <a:fld id="{0C23D88D-8CEC-4ED9-A53B-5596187D9A16}" type="datetime2">
               <a:rPr lang="en-US" smtClean="0"/>
-              <a:t>Wednesday, November 11, 2020</a:t>
+              <a:t>Thursday, November 12, 2020</a:t>
             </a:fld>
             <a:endParaRPr lang="en-US"/>
           </a:p>
@@ -1828,7 +1833,7 @@
           <a:p>
             <a:fld id="{D2CCD382-DFDA-4722-A27A-59C21AD112F2}" type="datetime2">
               <a:rPr lang="en-US" smtClean="0"/>
-              <a:t>Wednesday, November 11, 2020</a:t>
+              <a:t>Thursday, November 12, 2020</a:t>
             </a:fld>
             <a:endParaRPr lang="en-US"/>
           </a:p>
@@ -1973,7 +1978,7 @@
           <a:p>
             <a:fld id="{22F2A30D-1C09-413F-AAB1-38F366000715}" type="datetime2">
               <a:rPr lang="en-US" smtClean="0"/>
-              <a:t>Wednesday, November 11, 2020</a:t>
+              <a:t>Thursday, November 12, 2020</a:t>
             </a:fld>
             <a:endParaRPr lang="en-US"/>
           </a:p>
@@ -2095,7 +2100,7 @@
           <a:p>
             <a:fld id="{6DB82B9C-D65E-4F64-95C3-B10F3B00F0D9}" type="datetime2">
               <a:rPr lang="en-US" smtClean="0"/>
-              <a:t>Wednesday, November 11, 2020</a:t>
+              <a:t>Thursday, November 12, 2020</a:t>
             </a:fld>
             <a:endParaRPr lang="en-US"/>
           </a:p>
@@ -2418,7 +2423,7 @@
           <a:p>
             <a:fld id="{B7F5FDCC-6AAC-4A08-B9E0-3793AB5E64C3}" type="datetime2">
               <a:rPr lang="en-US" smtClean="0"/>
-              <a:t>Wednesday, November 11, 2020</a:t>
+              <a:t>Thursday, November 12, 2020</a:t>
             </a:fld>
             <a:endParaRPr lang="en-US"/>
           </a:p>
@@ -2706,7 +2711,7 @@
           <a:p>
             <a:fld id="{349FE94D-439C-40F1-900E-BC07940E3988}" type="datetime2">
               <a:rPr lang="en-US" smtClean="0"/>
-              <a:t>Wednesday, November 11, 2020</a:t>
+              <a:t>Thursday, November 12, 2020</a:t>
             </a:fld>
             <a:endParaRPr lang="en-US"/>
           </a:p>
@@ -2994,7 +2999,7 @@
           <a:p>
             <a:fld id="{8DEA2CF1-0EB2-4673-802D-3371233E4A77}" type="datetime2">
               <a:rPr lang="en-US" smtClean="0"/>
-              <a:t>Wednesday, November 11, 2020</a:t>
+              <a:t>Thursday, November 12, 2020</a:t>
             </a:fld>
             <a:endParaRPr lang="en-US" dirty="0"/>
           </a:p>
@@ -4314,7 +4319,7 @@
         </p:nvSpPr>
         <p:spPr>
           <a:xfrm>
-            <a:off x="1019175" y="0"/>
+            <a:off x="1019175" y="516566"/>
             <a:ext cx="11172825" cy="6858000"/>
           </a:xfrm>
           <a:prstGeom prst="rect">
